--- a/발표자료/해머숏풋_3차발표자료.pptx
+++ b/발표자료/해머숏풋_3차발표자료.pptx
@@ -3766,7 +3766,7 @@
           <p:nvPr>
             <p:extLst>
               <p:ext uri="{D42A27DB-BD31-4B8C-83A1-F6EECF244321}">
-                <p14:modId xmlns:p14="http://schemas.microsoft.com/office/powerpoint/2010/main" val="1237444389"/>
+                <p14:modId xmlns:p14="http://schemas.microsoft.com/office/powerpoint/2010/main" val="1987884948"/>
               </p:ext>
             </p:extLst>
           </p:nvPr>
@@ -3975,7 +3975,7 @@
                           <a:latin typeface="에스코어 드림 5 Medium" panose="020B0503030302020204" pitchFamily="34" charset="-127"/>
                           <a:ea typeface="에스코어 드림 5 Medium" panose="020B0503030302020204" pitchFamily="34" charset="-127"/>
                         </a:rPr>
-                        <a:t>+</a:t>
+                        <a:t>, </a:t>
                       </a:r>
                       <a:r>
                         <a:rPr lang="ko-KR" altLang="en-US" sz="1600" dirty="0">
@@ -4117,21 +4117,7 @@
                           <a:latin typeface="에스코어 드림 5 Medium" panose="020B0503030302020204" pitchFamily="34" charset="-127"/>
                           <a:ea typeface="에스코어 드림 5 Medium" panose="020B0503030302020204" pitchFamily="34" charset="-127"/>
                         </a:rPr>
-                        <a:t>종 </a:t>
-                      </a:r>
-                      <a:r>
-                        <a:rPr lang="en-US" altLang="ko-KR" sz="1600" dirty="0">
-                          <a:latin typeface="에스코어 드림 5 Medium" panose="020B0503030302020204" pitchFamily="34" charset="-127"/>
-                          <a:ea typeface="에스코어 드림 5 Medium" panose="020B0503030302020204" pitchFamily="34" charset="-127"/>
-                        </a:rPr>
-                        <a:t>/ </a:t>
-                      </a:r>
-                      <a:r>
-                        <a:rPr lang="ko-KR" altLang="en-US" sz="1600" dirty="0">
-                          <a:latin typeface="에스코어 드림 5 Medium" panose="020B0503030302020204" pitchFamily="34" charset="-127"/>
-                          <a:ea typeface="에스코어 드림 5 Medium" panose="020B0503030302020204" pitchFamily="34" charset="-127"/>
-                        </a:rPr>
-                        <a:t>번갈아 가며 한 번씩 플레이</a:t>
+                        <a:t>종</a:t>
                       </a:r>
                     </a:p>
                   </a:txBody>
@@ -4298,14 +4284,9 @@
                     <a:bodyPr/>
                     <a:lstStyle/>
                     <a:p>
-                      <a:pPr algn="l" latinLnBrk="1"/>
-                      <a:r>
-                        <a:rPr lang="en-US" altLang="ko-KR" sz="1600" dirty="0">
-                          <a:latin typeface="에스코어 드림 5 Medium" panose="020B0503030302020204" pitchFamily="34" charset="-127"/>
-                          <a:ea typeface="에스코어 드림 5 Medium" panose="020B0503030302020204" pitchFamily="34" charset="-127"/>
-                        </a:rPr>
-                        <a:t>1. </a:t>
-                      </a:r>
+                      <a:pPr marL="0" indent="0" algn="l" latinLnBrk="1">
+                        <a:buNone/>
+                      </a:pPr>
                       <a:r>
                         <a:rPr lang="ko-KR" altLang="en-US" sz="1600" dirty="0">
                           <a:solidFill>
@@ -4314,7 +4295,7 @@
                           <a:latin typeface="에스코어 드림 5 Medium" panose="020B0503030302020204" pitchFamily="34" charset="-127"/>
                           <a:ea typeface="에스코어 드림 5 Medium" panose="020B0503030302020204" pitchFamily="34" charset="-127"/>
                         </a:rPr>
-                        <a:t>각도 설정으로 변경</a:t>
+                        <a:t>구현 완료</a:t>
                       </a:r>
                       <a:endParaRPr lang="en-US" altLang="ko-KR" sz="1600" dirty="0">
                         <a:solidFill>
@@ -4325,55 +4306,72 @@
                       </a:endParaRPr>
                     </a:p>
                     <a:p>
-                      <a:pPr algn="l" latinLnBrk="1"/>
+                      <a:pPr marL="0" marR="0" lvl="0" indent="0" algn="l" defTabSz="914400" rtl="0" eaLnBrk="1" fontAlgn="auto" latinLnBrk="1" hangingPunct="1">
+                        <a:lnSpc>
+                          <a:spcPct val="100000"/>
+                        </a:lnSpc>
+                        <a:spcBef>
+                          <a:spcPts val="0"/>
+                        </a:spcBef>
+                        <a:spcAft>
+                          <a:spcPts val="0"/>
+                        </a:spcAft>
+                        <a:buClrTx/>
+                        <a:buSzTx/>
+                        <a:buFontTx/>
+                        <a:buNone/>
+                        <a:tabLst/>
+                        <a:defRPr/>
+                      </a:pPr>
                       <a:r>
                         <a:rPr lang="en-US" altLang="ko-KR" sz="1600" dirty="0">
-                          <a:latin typeface="에스코어 드림 5 Medium" panose="020B0503030302020204" pitchFamily="34" charset="-127"/>
-                          <a:ea typeface="에스코어 드림 5 Medium" panose="020B0503030302020204" pitchFamily="34" charset="-127"/>
-                        </a:rPr>
-                        <a:t>2. </a:t>
+                          <a:solidFill>
+                            <a:schemeClr val="tx1"/>
+                          </a:solidFill>
+                          <a:latin typeface="에스코어 드림 5 Medium" panose="020B0503030302020204" pitchFamily="34" charset="-127"/>
+                          <a:ea typeface="에스코어 드림 5 Medium" panose="020B0503030302020204" pitchFamily="34" charset="-127"/>
+                        </a:rPr>
+                        <a:t>(1.</a:t>
                       </a:r>
                       <a:r>
                         <a:rPr lang="ko-KR" altLang="en-US" sz="1600" dirty="0">
-                          <a:latin typeface="에스코어 드림 5 Medium" panose="020B0503030302020204" pitchFamily="34" charset="-127"/>
-                          <a:ea typeface="에스코어 드림 5 Medium" panose="020B0503030302020204" pitchFamily="34" charset="-127"/>
-                        </a:rPr>
-                        <a:t>차지 </a:t>
+                          <a:solidFill>
+                            <a:schemeClr val="tx1"/>
+                          </a:solidFill>
+                          <a:latin typeface="에스코어 드림 5 Medium" panose="020B0503030302020204" pitchFamily="34" charset="-127"/>
+                          <a:ea typeface="에스코어 드림 5 Medium" panose="020B0503030302020204" pitchFamily="34" charset="-127"/>
+                        </a:rPr>
+                        <a:t> 레디 </a:t>
                       </a:r>
                       <a:r>
                         <a:rPr lang="en-US" altLang="ko-KR" sz="1600" dirty="0">
-                          <a:latin typeface="에스코어 드림 5 Medium" panose="020B0503030302020204" pitchFamily="34" charset="-127"/>
-                          <a:ea typeface="에스코어 드림 5 Medium" panose="020B0503030302020204" pitchFamily="34" charset="-127"/>
-                        </a:rPr>
-                        <a:t>- </a:t>
+                          <a:solidFill>
+                            <a:schemeClr val="tx1"/>
+                          </a:solidFill>
+                          <a:latin typeface="에스코어 드림 5 Medium" panose="020B0503030302020204" pitchFamily="34" charset="-127"/>
+                          <a:ea typeface="에스코어 드림 5 Medium" panose="020B0503030302020204" pitchFamily="34" charset="-127"/>
+                        </a:rPr>
+                        <a:t>-&gt; </a:t>
                       </a:r>
                       <a:r>
                         <a:rPr lang="ko-KR" altLang="en-US" sz="1600" dirty="0">
-                          <a:latin typeface="에스코어 드림 5 Medium" panose="020B0503030302020204" pitchFamily="34" charset="-127"/>
-                          <a:ea typeface="에스코어 드림 5 Medium" panose="020B0503030302020204" pitchFamily="34" charset="-127"/>
-                        </a:rPr>
-                        <a:t>좌우 연타</a:t>
-                      </a:r>
-                      <a:endParaRPr lang="en-US" altLang="ko-KR" sz="1600" dirty="0">
-                        <a:latin typeface="에스코어 드림 5 Medium" panose="020B0503030302020204" pitchFamily="34" charset="-127"/>
-                        <a:ea typeface="에스코어 드림 5 Medium" panose="020B0503030302020204" pitchFamily="34" charset="-127"/>
-                      </a:endParaRPr>
-                    </a:p>
-                    <a:p>
-                      <a:pPr algn="l" latinLnBrk="1"/>
+                          <a:solidFill>
+                            <a:schemeClr val="tx1"/>
+                          </a:solidFill>
+                          <a:latin typeface="에스코어 드림 5 Medium" panose="020B0503030302020204" pitchFamily="34" charset="-127"/>
+                          <a:ea typeface="에스코어 드림 5 Medium" panose="020B0503030302020204" pitchFamily="34" charset="-127"/>
+                        </a:rPr>
+                        <a:t>각도 설정 변경</a:t>
+                      </a:r>
                       <a:r>
                         <a:rPr lang="en-US" altLang="ko-KR" sz="1600" dirty="0">
-                          <a:latin typeface="에스코어 드림 5 Medium" panose="020B0503030302020204" pitchFamily="34" charset="-127"/>
-                          <a:ea typeface="에스코어 드림 5 Medium" panose="020B0503030302020204" pitchFamily="34" charset="-127"/>
-                        </a:rPr>
-                        <a:t>3. </a:t>
-                      </a:r>
-                      <a:r>
-                        <a:rPr lang="ko-KR" altLang="en-US" sz="1600" dirty="0">
-                          <a:latin typeface="에스코어 드림 5 Medium" panose="020B0503030302020204" pitchFamily="34" charset="-127"/>
-                          <a:ea typeface="에스코어 드림 5 Medium" panose="020B0503030302020204" pitchFamily="34" charset="-127"/>
-                        </a:rPr>
-                        <a:t>타이밍 맞추어 날리기</a:t>
+                          <a:solidFill>
+                            <a:schemeClr val="tx1"/>
+                          </a:solidFill>
+                          <a:latin typeface="에스코어 드림 5 Medium" panose="020B0503030302020204" pitchFamily="34" charset="-127"/>
+                          <a:ea typeface="에스코어 드림 5 Medium" panose="020B0503030302020204" pitchFamily="34" charset="-127"/>
+                        </a:rPr>
+                        <a:t>)</a:t>
                       </a:r>
                     </a:p>
                   </a:txBody>
@@ -4463,7 +4461,28 @@
                           <a:latin typeface="에스코어 드림 5 Medium" panose="020B0503030302020204" pitchFamily="34" charset="-127"/>
                           <a:ea typeface="에스코어 드림 5 Medium" panose="020B0503030302020204" pitchFamily="34" charset="-127"/>
                         </a:rPr>
-                        <a:t>착지한 곳의 거리 저장 및 표지판 세우기</a:t>
+                        <a:t>착지한 곳의 거리 저장</a:t>
+                      </a:r>
+                      <a:r>
+                        <a:rPr lang="en-US" altLang="ko-KR" sz="1600">
+                          <a:latin typeface="에스코어 드림 5 Medium" panose="020B0503030302020204" pitchFamily="34" charset="-127"/>
+                          <a:ea typeface="에스코어 드림 5 Medium" panose="020B0503030302020204" pitchFamily="34" charset="-127"/>
+                        </a:rPr>
+                        <a:t>,</a:t>
+                      </a:r>
+                      <a:r>
+                        <a:rPr lang="ko-KR" altLang="en-US" sz="1600">
+                          <a:latin typeface="에스코어 드림 5 Medium" panose="020B0503030302020204" pitchFamily="34" charset="-127"/>
+                          <a:ea typeface="에스코어 드림 5 Medium" panose="020B0503030302020204" pitchFamily="34" charset="-127"/>
+                        </a:rPr>
+                        <a:t> 턴이 넘어가도 유지되는 </a:t>
+                      </a:r>
+                      <a:r>
+                        <a:rPr lang="ko-KR" altLang="en-US" sz="1600" dirty="0">
+                          <a:latin typeface="에스코어 드림 5 Medium" panose="020B0503030302020204" pitchFamily="34" charset="-127"/>
+                          <a:ea typeface="에스코어 드림 5 Medium" panose="020B0503030302020204" pitchFamily="34" charset="-127"/>
+                        </a:rPr>
+                        <a:t>표지판 세우기</a:t>
                       </a:r>
                       <a:endParaRPr lang="en-US" altLang="ko-KR" sz="1600" dirty="0">
                         <a:latin typeface="에스코어 드림 5 Medium" panose="020B0503030302020204" pitchFamily="34" charset="-127"/>
